--- a/Explore Big Data using Simple Python Code and Cloud Environment_V6.pptx
+++ b/Explore Big Data using Simple Python Code and Cloud Environment_V6.pptx
@@ -311,7 +311,7 @@
             <a:fld id="{BD8FA3CA-5725-4BA7-A851-72A62AC5A8EE}" type="datetimeFigureOut">
               <a:rPr lang="en-CA" smtClean="0"/>
               <a:pPr/>
-              <a:t>27/09/2015</a:t>
+              <a:t>30/09/2015</a:t>
             </a:fld>
             <a:endParaRPr lang="en-CA" dirty="0"/>
           </a:p>
@@ -478,7 +478,7 @@
             <a:fld id="{C3B58700-9FA2-48CE-AC88-D71D45EB490A}" type="datetimeFigureOut">
               <a:rPr lang="en-US" smtClean="0"/>
               <a:pPr/>
-              <a:t>27/9/2015</a:t>
+              <a:t>30/9/2015</a:t>
             </a:fld>
             <a:endParaRPr lang="en-US" dirty="0"/>
           </a:p>
@@ -8488,7 +8488,6 @@
               <a:rPr lang="en-IN" dirty="0" smtClean="0"/>
               <a:t>Summarization </a:t>
             </a:r>
-            <a:endParaRPr lang="en-IN" dirty="0" smtClean="0"/>
           </a:p>
           <a:p>
             <a:pPr marL="285750" indent="-285750">
@@ -8515,7 +8514,6 @@
               <a:rPr lang="en-IN" dirty="0" smtClean="0"/>
               <a:t>Structural Patterns</a:t>
             </a:r>
-            <a:endParaRPr lang="en-IN" dirty="0" smtClean="0"/>
           </a:p>
           <a:p>
             <a:endParaRPr lang="en-IN" dirty="0"/>
@@ -19018,6 +19016,56 @@
 </file>
 
 <file path=customXml/item1.xml><?xml version="1.0" encoding="utf-8"?>
+<p:properties xmlns:p="http://schemas.microsoft.com/office/2006/metadata/properties" xmlns:xsi="http://www.w3.org/2001/XMLSchema-instance">
+  <documentManagement>
+    <SubmittedBy xmlns="http://schemas.microsoft.com/sharepoint/v3">DIR\m.suarez.altuna</SubmittedBy>
+    <ArchiveDate xmlns="http://schemas.microsoft.com/sharepoint/v3">2015-02-01T06:00:00+00:00</ArchiveDate>
+    <Abstract xmlns="http://schemas.microsoft.com/sharepoint/v3">The term Big Data and associated technologies are causing huge disruptions in the enterprise. There are many different views and interpretations in the marketplace from vendors and analysts which are contradicting and often confusing. This course introduces a clear and unbiased perspective of Big Data and associated technologies providing an overview of Big Data concepts and how Big Data can add value to a client’s business or technology infrastructure using real-life examples. 
+This course is designed to provide a pragmatic introduction to foundational Big Data concepts so that a person at any role and level in Accenture can participate in meaningful starter conversations with our clients or client account teams. 
+A course to introduce Accenture personnel of all technical levels to the wide variety of alternative database technologies including columnar databases (e.g. Cassandra), distributed storage and processing systems (e.g. Hadoop &amp; MapReduce), in-memory storage systems (e.g. Memcache), and graph databases (e.g. Neo4J) through a brief overview of the technologies themselves, a high level survey of sample use cases for which the technologies are best used, and how they complement the traditional relational data bases technologies (e.g. MSSQL, Oracle, Netezza).
+Course Link: https://mylearning.accenture.com/accenture/lang-en/management/LMS_ActDetails.asp?UserMode=0&amp;ActivityId=954313
+</Abstract>
+    <PertinentToOrgUnit xmlns="http://schemas.microsoft.com/sharepoint/v3">;#13836;~Accenture Digital;#13837;~ Accenture Analytics;#11116;~Accenture Technology - Delivery;#11119;~ Data and Analytics</PertinentToOrgUnit>
+    <VisibleToAsset xmlns="http://schemas.microsoft.com/sharepoint/v3" xsi:nil="true"/>
+    <Contacts xmlns="http://schemas.microsoft.com/sharepoint/v3">dir\vincent.u.dellanno,dir\stacy.w.hurt,dir\atish.ray</Contacts>
+    <ConditionsforUse xmlns="http://schemas.microsoft.com/sharepoint/v3">Accenture Internal Use Only</ConditionsforUse>
+    <DetailsPageURL xmlns="http://schemas.microsoft.com/sharepoint/v3">https://kx.accenture.com/repositories/ContributionForm.aspx?path=C25/33/17&amp;mode=Read</DetailsPageURL>
+    <StorageType xmlns="http://schemas.microsoft.com/sharepoint/v3">File</StorageType>
+    <OfficialAsset xmlns="http://schemas.microsoft.com/sharepoint/v3">No</OfficialAsset>
+    <BusinessFunctionKeywords xmlns="http://schemas.microsoft.com/sharepoint/v3">;#10058;~Analytics</BusinessFunctionKeywords>
+    <RelatedContent xmlns="http://schemas.microsoft.com/sharepoint/v3" xsi:nil="true"/>
+    <Client xmlns="http://schemas.microsoft.com/sharepoint/v3" xsi:nil="true"/>
+    <DeliveryCenter xmlns="http://schemas.microsoft.com/sharepoint/v3" xsi:nil="true"/>
+    <ContentCurrentDate xmlns="http://schemas.microsoft.com/sharepoint/v3">2014-07-07T05:00:00+00:00</ContentCurrentDate>
+    <ContribKeywords xmlns="http://schemas.microsoft.com/sharepoint/v3">;#10359;~Analytics;#12948;~ Big Data;#13080;~Big Data</ContribKeywords>
+    <VendorProductKeywords xmlns="http://schemas.microsoft.com/sharepoint/v3">;#0;~None</VendorProductKeywords>
+    <Offerings xmlns="http://schemas.microsoft.com/sharepoint/v3">;#10330;~Accenture Analytics</Offerings>
+    <EngagementLink xmlns="http://schemas.microsoft.com/sharepoint/v3" xsi:nil="true"/>
+    <flagVVID xmlns="http://schemas.microsoft.com/sharepoint/v3" xsi:nil="true"/>
+    <KXGeography xmlns="http://schemas.microsoft.com/sharepoint/v3">;#9494;~Global</KXGeography>
+    <SourceType xmlns="http://schemas.microsoft.com/sharepoint/v3">ContributionForm</SourceType>
+    <ApprovedForUseBy xmlns="http://schemas.microsoft.com/sharepoint/v3">;#12927;~Analytics</ApprovedForUseBy>
+    <DetailsPageURL2 xmlns="http://schemas.microsoft.com/sharepoint/v3">https://kx.accenture.com/repositories/DownloadForm.aspx?path=C25/33/17/Introduction_to_Big_Data_Final.pptx</DetailsPageURL2>
+    <PertinentToCountry xmlns="http://schemas.microsoft.com/sharepoint/v3" xsi:nil="true"/>
+    <RevisionBy xmlns="http://schemas.microsoft.com/sharepoint/v3">dir\m.suarez.altuna&lt;br&gt;kx.massupdate&lt;br&gt;kx.massupdate&lt;br&gt;kx.massupdate&lt;br&gt;kx.massupdate&lt;br&gt;kx.massupdate</RevisionBy>
+    <DateCreated xmlns="http://schemas.microsoft.com/sharepoint/v3">2013-02-01T17:18:41+00:00</DateCreated>
+    <TechnologyKeywords xmlns="http://schemas.microsoft.com/sharepoint/v3">;#13067;~Big Data</TechnologyKeywords>
+    <HasAttachment xmlns="http://schemas.microsoft.com/sharepoint/v3">No</HasAttachment>
+    <ItemType xmlns="http://schemas.microsoft.com/sharepoint/v3">;#13989;~Accenture Internal Material</ItemType>
+    <FederalData xmlns="http://schemas.microsoft.com/sharepoint/v3">No</FederalData>
+    <ArchiveStatus xmlns="http://schemas.microsoft.com/sharepoint/v3">Active</ArchiveStatus>
+    <IndustryKeywords xmlns="http://schemas.microsoft.com/sharepoint/v3">;#13489;~Cross Industry</IndustryKeywords>
+    <RevisionTime xmlns="http://schemas.microsoft.com/sharepoint/v3">7/7/2014 1:50:52 PM&lt;br&gt;6/19/2014 2:35:12 AM&lt;br&gt;4/11/2014 5:23:26 AM&lt;br&gt;3/17/2014 10:54:01 PM&lt;br&gt;3/17/2014 8:38:17 AM&lt;br&gt;2/10/2014 2:37:10 AM</RevisionTime>
+    <ArchivalDate xmlns="http://schemas.microsoft.com/sharepoint/v3" xsi:nil="true"/>
+    <ConditionsforUseComments xmlns="http://schemas.microsoft.com/sharepoint/v3" xsi:nil="true"/>
+    <ContribLanguage xmlns="http://schemas.microsoft.com/sharepoint/v3">;#4628;~English</ContribLanguage>
+    <KXThumbnailURL xmlns="http://schemas.microsoft.com/sharepoint/v3">https://documentpreviews.accenture.com/_vti_bin/Longitude4/Thumbnail.aspx?docId=https://kx.accenture.com/Repositories/C25/33/17/Introduction_to_Big_Data_Final.pptx&amp;lucDocId=1&amp;pageNumber=1&amp;thumbX=120&amp;thumbY=120</KXThumbnailURL>
+    <RestrictedClient xmlns="http://schemas.microsoft.com/sharepoint/v3" xsi:nil="true"/>
+  </documentManagement>
+</p:properties>
+</file>
+
+<file path=customXml/item2.xml><?xml version="1.0" encoding="utf-8"?>
 <ct:contentTypeSchema xmlns:ct="http://schemas.microsoft.com/office/2006/metadata/contentType" xmlns:ma="http://schemas.microsoft.com/office/2006/metadata/properties/metaAttributes" ct:_="" ma:_="" ma:contentTypeName="General Contribution" ma:contentTypeID="0x012000FD200C85A7BB46D2B974A85017C5AC2B0100BBCA62729C96CA428942DEC804BC4019" ma:contentTypeVersion="0" ma:contentTypeDescription="General Contribution" ma:contentTypeScope="" ma:versionID="ab0d4f4fc42d0553241346742c0ddd13">
   <xsd:schema xmlns:xsd="http://www.w3.org/2001/XMLSchema" xmlns:p="http://schemas.microsoft.com/office/2006/metadata/properties" xmlns:ns1="http://schemas.microsoft.com/sharepoint/v3" targetNamespace="http://schemas.microsoft.com/office/2006/metadata/properties" ma:root="true" ma:fieldsID="6eacfe9d3c46ce0a9ae23279e24a0f5d" ns1:_="">
     <xsd:import namespace="http://schemas.microsoft.com/sharepoint/v3"/>
@@ -19307,7 +19355,7 @@
 </ct:contentTypeSchema>
 </file>
 
-<file path=customXml/item2.xml><?xml version="1.0" encoding="utf-8"?>
+<file path=customXml/item3.xml><?xml version="1.0" encoding="utf-8"?>
 <?mso-contentType ?>
 <FormTemplates xmlns="http://schemas.microsoft.com/sharepoint/v3/contenttype/forms">
   <Display>ListForm</Display>
@@ -19316,57 +19364,22 @@
 </FormTemplates>
 </file>
 
-<file path=customXml/item3.xml><?xml version="1.0" encoding="utf-8"?>
-<p:properties xmlns:p="http://schemas.microsoft.com/office/2006/metadata/properties" xmlns:xsi="http://www.w3.org/2001/XMLSchema-instance">
-  <documentManagement>
-    <SubmittedBy xmlns="http://schemas.microsoft.com/sharepoint/v3">DIR\m.suarez.altuna</SubmittedBy>
-    <ArchiveDate xmlns="http://schemas.microsoft.com/sharepoint/v3">2015-02-01T06:00:00+00:00</ArchiveDate>
-    <Abstract xmlns="http://schemas.microsoft.com/sharepoint/v3">The term Big Data and associated technologies are causing huge disruptions in the enterprise. There are many different views and interpretations in the marketplace from vendors and analysts which are contradicting and often confusing. This course introduces a clear and unbiased perspective of Big Data and associated technologies providing an overview of Big Data concepts and how Big Data can add value to a client’s business or technology infrastructure using real-life examples. 
-This course is designed to provide a pragmatic introduction to foundational Big Data concepts so that a person at any role and level in Accenture can participate in meaningful starter conversations with our clients or client account teams. 
-A course to introduce Accenture personnel of all technical levels to the wide variety of alternative database technologies including columnar databases (e.g. Cassandra), distributed storage and processing systems (e.g. Hadoop &amp; MapReduce), in-memory storage systems (e.g. Memcache), and graph databases (e.g. Neo4J) through a brief overview of the technologies themselves, a high level survey of sample use cases for which the technologies are best used, and how they complement the traditional relational data bases technologies (e.g. MSSQL, Oracle, Netezza).
-Course Link: https://mylearning.accenture.com/accenture/lang-en/management/LMS_ActDetails.asp?UserMode=0&amp;ActivityId=954313
-</Abstract>
-    <PertinentToOrgUnit xmlns="http://schemas.microsoft.com/sharepoint/v3">;#13836;~Accenture Digital;#13837;~ Accenture Analytics;#11116;~Accenture Technology - Delivery;#11119;~ Data and Analytics</PertinentToOrgUnit>
-    <VisibleToAsset xmlns="http://schemas.microsoft.com/sharepoint/v3" xsi:nil="true"/>
-    <Contacts xmlns="http://schemas.microsoft.com/sharepoint/v3">dir\vincent.u.dellanno,dir\stacy.w.hurt,dir\atish.ray</Contacts>
-    <ConditionsforUse xmlns="http://schemas.microsoft.com/sharepoint/v3">Accenture Internal Use Only</ConditionsforUse>
-    <DetailsPageURL xmlns="http://schemas.microsoft.com/sharepoint/v3">https://kx.accenture.com/repositories/ContributionForm.aspx?path=C25/33/17&amp;mode=Read</DetailsPageURL>
-    <StorageType xmlns="http://schemas.microsoft.com/sharepoint/v3">File</StorageType>
-    <OfficialAsset xmlns="http://schemas.microsoft.com/sharepoint/v3">No</OfficialAsset>
-    <BusinessFunctionKeywords xmlns="http://schemas.microsoft.com/sharepoint/v3">;#10058;~Analytics</BusinessFunctionKeywords>
-    <RelatedContent xmlns="http://schemas.microsoft.com/sharepoint/v3" xsi:nil="true"/>
-    <Client xmlns="http://schemas.microsoft.com/sharepoint/v3" xsi:nil="true"/>
-    <DeliveryCenter xmlns="http://schemas.microsoft.com/sharepoint/v3" xsi:nil="true"/>
-    <ContentCurrentDate xmlns="http://schemas.microsoft.com/sharepoint/v3">2014-07-07T05:00:00+00:00</ContentCurrentDate>
-    <ContribKeywords xmlns="http://schemas.microsoft.com/sharepoint/v3">;#10359;~Analytics;#12948;~ Big Data;#13080;~Big Data</ContribKeywords>
-    <VendorProductKeywords xmlns="http://schemas.microsoft.com/sharepoint/v3">;#0;~None</VendorProductKeywords>
-    <Offerings xmlns="http://schemas.microsoft.com/sharepoint/v3">;#10330;~Accenture Analytics</Offerings>
-    <EngagementLink xmlns="http://schemas.microsoft.com/sharepoint/v3" xsi:nil="true"/>
-    <flagVVID xmlns="http://schemas.microsoft.com/sharepoint/v3" xsi:nil="true"/>
-    <KXGeography xmlns="http://schemas.microsoft.com/sharepoint/v3">;#9494;~Global</KXGeography>
-    <SourceType xmlns="http://schemas.microsoft.com/sharepoint/v3">ContributionForm</SourceType>
-    <ApprovedForUseBy xmlns="http://schemas.microsoft.com/sharepoint/v3">;#12927;~Analytics</ApprovedForUseBy>
-    <DetailsPageURL2 xmlns="http://schemas.microsoft.com/sharepoint/v3">https://kx.accenture.com/repositories/DownloadForm.aspx?path=C25/33/17/Introduction_to_Big_Data_Final.pptx</DetailsPageURL2>
-    <PertinentToCountry xmlns="http://schemas.microsoft.com/sharepoint/v3" xsi:nil="true"/>
-    <RevisionBy xmlns="http://schemas.microsoft.com/sharepoint/v3">dir\m.suarez.altuna&lt;br&gt;kx.massupdate&lt;br&gt;kx.massupdate&lt;br&gt;kx.massupdate&lt;br&gt;kx.massupdate&lt;br&gt;kx.massupdate</RevisionBy>
-    <DateCreated xmlns="http://schemas.microsoft.com/sharepoint/v3">2013-02-01T17:18:41+00:00</DateCreated>
-    <TechnologyKeywords xmlns="http://schemas.microsoft.com/sharepoint/v3">;#13067;~Big Data</TechnologyKeywords>
-    <HasAttachment xmlns="http://schemas.microsoft.com/sharepoint/v3">No</HasAttachment>
-    <ItemType xmlns="http://schemas.microsoft.com/sharepoint/v3">;#13989;~Accenture Internal Material</ItemType>
-    <FederalData xmlns="http://schemas.microsoft.com/sharepoint/v3">No</FederalData>
-    <ArchiveStatus xmlns="http://schemas.microsoft.com/sharepoint/v3">Active</ArchiveStatus>
-    <IndustryKeywords xmlns="http://schemas.microsoft.com/sharepoint/v3">;#13489;~Cross Industry</IndustryKeywords>
-    <RevisionTime xmlns="http://schemas.microsoft.com/sharepoint/v3">7/7/2014 1:50:52 PM&lt;br&gt;6/19/2014 2:35:12 AM&lt;br&gt;4/11/2014 5:23:26 AM&lt;br&gt;3/17/2014 10:54:01 PM&lt;br&gt;3/17/2014 8:38:17 AM&lt;br&gt;2/10/2014 2:37:10 AM</RevisionTime>
-    <ArchivalDate xmlns="http://schemas.microsoft.com/sharepoint/v3" xsi:nil="true"/>
-    <ConditionsforUseComments xmlns="http://schemas.microsoft.com/sharepoint/v3" xsi:nil="true"/>
-    <ContribLanguage xmlns="http://schemas.microsoft.com/sharepoint/v3">;#4628;~English</ContribLanguage>
-    <KXThumbnailURL xmlns="http://schemas.microsoft.com/sharepoint/v3">https://documentpreviews.accenture.com/_vti_bin/Longitude4/Thumbnail.aspx?docId=https://kx.accenture.com/Repositories/C25/33/17/Introduction_to_Big_Data_Final.pptx&amp;lucDocId=1&amp;pageNumber=1&amp;thumbX=120&amp;thumbY=120</KXThumbnailURL>
-    <RestrictedClient xmlns="http://schemas.microsoft.com/sharepoint/v3" xsi:nil="true"/>
-  </documentManagement>
-</p:properties>
+<file path=customXml/itemProps1.xml><?xml version="1.0" encoding="utf-8"?>
+<ds:datastoreItem xmlns:ds="http://schemas.openxmlformats.org/officeDocument/2006/customXml" ds:itemID="{56640170-8352-441D-BDC5-3754A62BBEF1}">
+  <ds:schemaRefs>
+    <ds:schemaRef ds:uri="http://schemas.openxmlformats.org/package/2006/metadata/core-properties"/>
+    <ds:schemaRef ds:uri="http://schemas.microsoft.com/office/2006/documentManagement/types"/>
+    <ds:schemaRef ds:uri="http://www.w3.org/XML/1998/namespace"/>
+    <ds:schemaRef ds:uri="http://purl.org/dc/elements/1.1/"/>
+    <ds:schemaRef ds:uri="http://purl.org/dc/terms/"/>
+    <ds:schemaRef ds:uri="http://schemas.microsoft.com/sharepoint/v3"/>
+    <ds:schemaRef ds:uri="http://schemas.microsoft.com/office/2006/metadata/properties"/>
+    <ds:schemaRef ds:uri="http://purl.org/dc/dcmitype/"/>
+  </ds:schemaRefs>
+</ds:datastoreItem>
 </file>
 
-<file path=customXml/itemProps1.xml><?xml version="1.0" encoding="utf-8"?>
+<file path=customXml/itemProps2.xml><?xml version="1.0" encoding="utf-8"?>
 <ds:datastoreItem xmlns:ds="http://schemas.openxmlformats.org/officeDocument/2006/customXml" ds:itemID="{D808D66A-C928-4AD2-98CD-5C2DE2AE9E2E}">
   <ds:schemaRefs>
     <ds:schemaRef ds:uri="http://schemas.microsoft.com/office/2006/metadata/contentType"/>
@@ -19383,25 +19396,10 @@
 </ds:datastoreItem>
 </file>
 
-<file path=customXml/itemProps2.xml><?xml version="1.0" encoding="utf-8"?>
+<file path=customXml/itemProps3.xml><?xml version="1.0" encoding="utf-8"?>
 <ds:datastoreItem xmlns:ds="http://schemas.openxmlformats.org/officeDocument/2006/customXml" ds:itemID="{9700209F-A3BB-4D23-AD9B-D427E92AC22F}">
   <ds:schemaRefs>
     <ds:schemaRef ds:uri="http://schemas.microsoft.com/sharepoint/v3/contenttype/forms"/>
   </ds:schemaRefs>
 </ds:datastoreItem>
-</file>
-
-<file path=customXml/itemProps3.xml><?xml version="1.0" encoding="utf-8"?>
-<ds:datastoreItem xmlns:ds="http://schemas.openxmlformats.org/officeDocument/2006/customXml" ds:itemID="{56640170-8352-441D-BDC5-3754A62BBEF1}">
-  <ds:schemaRefs>
-    <ds:schemaRef ds:uri="http://schemas.openxmlformats.org/package/2006/metadata/core-properties"/>
-    <ds:schemaRef ds:uri="http://schemas.microsoft.com/office/2006/documentManagement/types"/>
-    <ds:schemaRef ds:uri="http://www.w3.org/XML/1998/namespace"/>
-    <ds:schemaRef ds:uri="http://purl.org/dc/elements/1.1/"/>
-    <ds:schemaRef ds:uri="http://purl.org/dc/terms/"/>
-    <ds:schemaRef ds:uri="http://schemas.microsoft.com/sharepoint/v3"/>
-    <ds:schemaRef ds:uri="http://schemas.microsoft.com/office/2006/metadata/properties"/>
-    <ds:schemaRef ds:uri="http://purl.org/dc/dcmitype/"/>
-  </ds:schemaRefs>
-</ds:datastoreItem>
 </file>